--- a/exchange-technology.pptx
+++ b/exchange-technology.pptx
@@ -28,6 +28,9 @@
   </p:sldIdLst>
   <p:sldSz cx="12192000" cy="6858000"/>
   <p:notesSz cx="6858000" cy="9144000"/>
+  <p:custDataLst>
+    <p:tags r:id="rId26"/>
+  </p:custDataLst>
   <p:defaultTextStyle>
     <a:defPPr>
       <a:defRPr lang="zh-CN"/>
@@ -5121,7 +5124,7 @@
         <p:spPr/>
         <p:txBody>
           <a:bodyPr>
-            <a:normAutofit fontScale="92500" lnSpcReduction="20000"/>
+            <a:normAutofit fontScale="72500"/>
           </a:bodyPr>
           <a:lstStyle/>
           <a:p>
@@ -5203,7 +5206,23 @@
             <a:pPr lvl="2"/>
             <a:r>
               <a:rPr lang="zh-CN" altLang="en-US" dirty="0"/>
-              <a:t>订单表：按照币对垂直分表，按照时间水平分表，每周归集，查询最近三个月，对于用户维度搜索不友好</a:t>
+              <a:t>订单表：按照币对垂直分表，按照时间水平分表，每周归集，查询最近三个月，对于用户维度搜索不友好（可以单独在按照用户分一次表，或者导入别的存储，如</a:t>
+            </a:r>
+            <a:r>
+              <a:rPr lang="en-US" altLang="zh-CN" dirty="0"/>
+              <a:t>es</a:t>
+            </a:r>
+            <a:r>
+              <a:rPr lang="zh-CN" altLang="en-US" dirty="0"/>
+              <a:t>或者</a:t>
+            </a:r>
+            <a:r>
+              <a:rPr lang="en-US" altLang="zh-CN" dirty="0"/>
+              <a:t>hbase</a:t>
+            </a:r>
+            <a:r>
+              <a:rPr lang="zh-CN" altLang="en-US" dirty="0"/>
+              <a:t>等）</a:t>
             </a:r>
             <a:endParaRPr lang="en-US" altLang="zh-CN" dirty="0"/>
           </a:p>
@@ -7637,6 +7656,12 @@
     <a:masterClrMapping/>
   </p:clrMapOvr>
 </p:sld>
+</file>
+
+<file path=ppt/tags/tag1.xml><?xml version="1.0" encoding="utf-8"?>
+<p:tagLst xmlns:p="http://schemas.openxmlformats.org/presentationml/2006/main">
+  <p:tag name="COMMONDATA" val="eyJoZGlkIjoiMjcwMmI1NjQ5MmNhYmI3NmFmMzZiOTYzZTRlNGE5NDkifQ=="/>
+</p:tagLst>
 </file>
 
 <file path=ppt/theme/theme1.xml><?xml version="1.0" encoding="utf-8"?>
